--- a/week 2/Slides/02-1 EMAT10007_Variables_Types.pptx
+++ b/week 2/Slides/02-1 EMAT10007_Variables_Types.pptx
@@ -5,26 +5,28 @@
     <p:sldMasterId id="2147483648" r:id="rId1"/>
   </p:sldMasterIdLst>
   <p:notesMasterIdLst>
-    <p:notesMasterId r:id="rId19"/>
+    <p:notesMasterId r:id="rId21"/>
   </p:notesMasterIdLst>
   <p:sldIdLst>
     <p:sldId id="256" r:id="rId2"/>
-    <p:sldId id="257" r:id="rId3"/>
-    <p:sldId id="258" r:id="rId4"/>
-    <p:sldId id="259" r:id="rId5"/>
-    <p:sldId id="260" r:id="rId6"/>
-    <p:sldId id="263" r:id="rId7"/>
-    <p:sldId id="265" r:id="rId8"/>
-    <p:sldId id="274" r:id="rId9"/>
-    <p:sldId id="266" r:id="rId10"/>
-    <p:sldId id="275" r:id="rId11"/>
-    <p:sldId id="277" r:id="rId12"/>
-    <p:sldId id="281" r:id="rId13"/>
-    <p:sldId id="269" r:id="rId14"/>
-    <p:sldId id="279" r:id="rId15"/>
-    <p:sldId id="280" r:id="rId16"/>
-    <p:sldId id="276" r:id="rId17"/>
-    <p:sldId id="278" r:id="rId18"/>
+    <p:sldId id="282" r:id="rId3"/>
+    <p:sldId id="257" r:id="rId4"/>
+    <p:sldId id="258" r:id="rId5"/>
+    <p:sldId id="259" r:id="rId6"/>
+    <p:sldId id="260" r:id="rId7"/>
+    <p:sldId id="263" r:id="rId8"/>
+    <p:sldId id="265" r:id="rId9"/>
+    <p:sldId id="274" r:id="rId10"/>
+    <p:sldId id="266" r:id="rId11"/>
+    <p:sldId id="283" r:id="rId12"/>
+    <p:sldId id="275" r:id="rId13"/>
+    <p:sldId id="277" r:id="rId14"/>
+    <p:sldId id="281" r:id="rId15"/>
+    <p:sldId id="269" r:id="rId16"/>
+    <p:sldId id="279" r:id="rId17"/>
+    <p:sldId id="280" r:id="rId18"/>
+    <p:sldId id="276" r:id="rId19"/>
+    <p:sldId id="278" r:id="rId20"/>
   </p:sldIdLst>
   <p:sldSz cx="13004800" cy="9753600"/>
   <p:notesSz cx="6858000" cy="9144000"/>
@@ -3293,6 +3295,767 @@
           <a:chExt cx="0" cy="0"/>
         </a:xfrm>
       </p:grpSpPr>
+      <p:sp>
+        <p:nvSpPr>
+          <p:cNvPr id="232" name="Checking and Casting Types"/>
+          <p:cNvSpPr txBox="1">
+            <a:spLocks noGrp="1"/>
+          </p:cNvSpPr>
+          <p:nvPr>
+            <p:ph type="title"/>
+          </p:nvPr>
+        </p:nvSpPr>
+        <p:spPr>
+          <a:xfrm>
+            <a:off x="952500" y="444500"/>
+            <a:ext cx="11613555" cy="2159000"/>
+          </a:xfrm>
+          <a:prstGeom prst="rect">
+            <a:avLst/>
+          </a:prstGeom>
+        </p:spPr>
+        <p:txBody>
+          <a:bodyPr/>
+          <a:lstStyle>
+            <a:lvl1pPr defTabSz="508254">
+              <a:defRPr sz="6960"/>
+            </a:lvl1pPr>
+          </a:lstStyle>
+          <a:p>
+            <a:r>
+              <a:t>Checking and Casting Types</a:t>
+            </a:r>
+          </a:p>
+        </p:txBody>
+      </p:sp>
+      <p:grpSp>
+        <p:nvGrpSpPr>
+          <p:cNvPr id="241" name="Group"/>
+          <p:cNvGrpSpPr/>
+          <p:nvPr/>
+        </p:nvGrpSpPr>
+        <p:grpSpPr>
+          <a:xfrm>
+            <a:off x="2376905" y="2561710"/>
+            <a:ext cx="8764744" cy="6746846"/>
+            <a:chOff x="0" y="0"/>
+            <a:chExt cx="8764743" cy="6746844"/>
+          </a:xfrm>
+        </p:grpSpPr>
+        <p:grpSp>
+          <p:nvGrpSpPr>
+            <p:cNvPr id="239" name="Group"/>
+            <p:cNvGrpSpPr/>
+            <p:nvPr/>
+          </p:nvGrpSpPr>
+          <p:grpSpPr>
+            <a:xfrm>
+              <a:off x="0" y="0"/>
+              <a:ext cx="8764744" cy="6746845"/>
+              <a:chOff x="0" y="0"/>
+              <a:chExt cx="8764743" cy="6746844"/>
+            </a:xfrm>
+          </p:grpSpPr>
+          <p:grpSp>
+            <p:nvGrpSpPr>
+              <p:cNvPr id="237" name="Group"/>
+              <p:cNvGrpSpPr/>
+              <p:nvPr/>
+            </p:nvGrpSpPr>
+            <p:grpSpPr>
+              <a:xfrm>
+                <a:off x="0" y="0"/>
+                <a:ext cx="8764744" cy="6746845"/>
+                <a:chOff x="0" y="0"/>
+                <a:chExt cx="8764743" cy="6746844"/>
+              </a:xfrm>
+            </p:grpSpPr>
+            <p:sp>
+              <p:nvSpPr>
+                <p:cNvPr id="233" name="isinstance() and type() allow you to check types."/>
+                <p:cNvSpPr txBox="1"/>
+                <p:nvPr/>
+              </p:nvSpPr>
+              <p:spPr>
+                <a:xfrm>
+                  <a:off x="0" y="-1"/>
+                  <a:ext cx="7846508" cy="990607"/>
+                </a:xfrm>
+                <a:prstGeom prst="rect">
+                  <a:avLst/>
+                </a:prstGeom>
+                <a:noFill/>
+                <a:ln w="12700" cap="flat">
+                  <a:noFill/>
+                  <a:miter lim="400000"/>
+                </a:ln>
+                <a:effectLst/>
+                <a:extLst>
+                  <a:ext uri="{C572A759-6A51-4108-AA02-DFA0A04FC94B}">
+                    <ma14:wrappingTextBoxFlag xmlns:ma14="http://schemas.microsoft.com/office/mac/drawingml/2011/main" val="1"/>
+                  </a:ext>
+                </a:extLst>
+              </p:spPr>
+              <p:txBody>
+                <a:bodyPr wrap="square" lIns="50800" tIns="50800" rIns="50800" bIns="50800" numCol="1" anchor="ctr">
+                  <a:spAutoFit/>
+                </a:bodyPr>
+                <a:lstStyle/>
+                <a:p>
+                  <a:pPr algn="just" defTabSz="457200">
+                    <a:tabLst>
+                      <a:tab pos="139700" algn="l"/>
+                      <a:tab pos="457200" algn="l"/>
+                    </a:tabLst>
+                    <a:defRPr sz="2900"/>
+                  </a:pPr>
+                  <a:r>
+                    <a:rPr b="1" i="1">
+                      <a:latin typeface="Helvetica"/>
+                      <a:ea typeface="Helvetica"/>
+                      <a:cs typeface="Helvetica"/>
+                      <a:sym typeface="Helvetica"/>
+                    </a:rPr>
+                    <a:t>isinstance()</a:t>
+                  </a:r>
+                  <a:r>
+                    <a:t> and </a:t>
+                  </a:r>
+                  <a:r>
+                    <a:rPr b="1" i="1">
+                      <a:latin typeface="Helvetica"/>
+                      <a:ea typeface="Helvetica"/>
+                      <a:cs typeface="Helvetica"/>
+                      <a:sym typeface="Helvetica"/>
+                    </a:rPr>
+                    <a:t>type()</a:t>
+                  </a:r>
+                  <a:r>
+                    <a:t> allow you to check types.</a:t>
+                  </a:r>
+                </a:p>
+              </p:txBody>
+            </p:sp>
+            <p:sp>
+              <p:nvSpPr>
+                <p:cNvPr id="234" name="You can sometimes explicitly cast types to change from one type to an other (str, float, bool)"/>
+                <p:cNvSpPr txBox="1"/>
+                <p:nvPr/>
+              </p:nvSpPr>
+              <p:spPr>
+                <a:xfrm>
+                  <a:off x="0" y="3269782"/>
+                  <a:ext cx="8764744" cy="990612"/>
+                </a:xfrm>
+                <a:prstGeom prst="rect">
+                  <a:avLst/>
+                </a:prstGeom>
+                <a:noFill/>
+                <a:ln w="12700" cap="flat">
+                  <a:noFill/>
+                  <a:miter lim="400000"/>
+                </a:ln>
+                <a:effectLst/>
+                <a:extLst>
+                  <a:ext uri="{C572A759-6A51-4108-AA02-DFA0A04FC94B}">
+                    <ma14:wrappingTextBoxFlag xmlns:ma14="http://schemas.microsoft.com/office/mac/drawingml/2011/main" val="1"/>
+                  </a:ext>
+                </a:extLst>
+              </p:spPr>
+              <p:txBody>
+                <a:bodyPr wrap="square" lIns="50800" tIns="50800" rIns="50800" bIns="50800" numCol="1" anchor="ctr">
+                  <a:spAutoFit/>
+                </a:bodyPr>
+                <a:lstStyle/>
+                <a:p>
+                  <a:pPr algn="just" defTabSz="457200">
+                    <a:tabLst>
+                      <a:tab pos="139700" algn="l"/>
+                      <a:tab pos="457200" algn="l"/>
+                    </a:tabLst>
+                    <a:defRPr sz="2900"/>
+                  </a:pPr>
+                  <a:r>
+                    <a:t>You can sometimes </a:t>
+                  </a:r>
+                  <a:r>
+                    <a:rPr b="1">
+                      <a:latin typeface="Helvetica"/>
+                      <a:ea typeface="Helvetica"/>
+                      <a:cs typeface="Helvetica"/>
+                      <a:sym typeface="Helvetica"/>
+                    </a:rPr>
+                    <a:t>explicitly cast </a:t>
+                  </a:r>
+                  <a:r>
+                    <a:t>types to change from one type to an other (</a:t>
+                  </a:r>
+                  <a:r>
+                    <a:rPr b="1">
+                      <a:latin typeface="Helvetica"/>
+                      <a:ea typeface="Helvetica"/>
+                      <a:cs typeface="Helvetica"/>
+                      <a:sym typeface="Helvetica"/>
+                    </a:rPr>
+                    <a:t>str, float, bool</a:t>
+                  </a:r>
+                  <a:r>
+                    <a:t>)</a:t>
+                  </a:r>
+                </a:p>
+              </p:txBody>
+            </p:sp>
+            <p:pic>
+              <p:nvPicPr>
+                <p:cNvPr id="235" name="Image" descr="Image"/>
+                <p:cNvPicPr>
+                  <a:picLocks noChangeAspect="1"/>
+                </p:cNvPicPr>
+                <p:nvPr/>
+              </p:nvPicPr>
+              <p:blipFill>
+                <a:blip r:embed="rId2">
+                  <a:extLst/>
+                </a:blip>
+                <a:stretch>
+                  <a:fillRect/>
+                </a:stretch>
+              </p:blipFill>
+              <p:spPr>
+                <a:xfrm>
+                  <a:off x="786353" y="4537044"/>
+                  <a:ext cx="2006601" cy="2209801"/>
+                </a:xfrm>
+                <a:prstGeom prst="rect">
+                  <a:avLst/>
+                </a:prstGeom>
+                <a:ln w="12700" cap="flat">
+                  <a:noFill/>
+                  <a:miter lim="400000"/>
+                </a:ln>
+                <a:effectLst/>
+              </p:spPr>
+            </p:pic>
+            <p:pic>
+              <p:nvPicPr>
+                <p:cNvPr id="236" name="Image" descr="Image"/>
+                <p:cNvPicPr>
+                  <a:picLocks noChangeAspect="1"/>
+                </p:cNvPicPr>
+                <p:nvPr/>
+              </p:nvPicPr>
+              <p:blipFill>
+                <a:blip r:embed="rId3">
+                  <a:extLst/>
+                </a:blip>
+                <a:srcRect b="7284"/>
+                <a:stretch>
+                  <a:fillRect/>
+                </a:stretch>
+              </p:blipFill>
+              <p:spPr>
+                <a:xfrm>
+                  <a:off x="5129753" y="4528578"/>
+                  <a:ext cx="2565401" cy="1719131"/>
+                </a:xfrm>
+                <a:prstGeom prst="rect">
+                  <a:avLst/>
+                </a:prstGeom>
+                <a:ln w="12700" cap="flat">
+                  <a:noFill/>
+                  <a:miter lim="400000"/>
+                </a:ln>
+                <a:effectLst/>
+              </p:spPr>
+            </p:pic>
+          </p:grpSp>
+          <p:pic>
+            <p:nvPicPr>
+              <p:cNvPr id="238" name="Image" descr="Image"/>
+              <p:cNvPicPr>
+                <a:picLocks noChangeAspect="1"/>
+              </p:cNvPicPr>
+              <p:nvPr/>
+            </p:nvPicPr>
+            <p:blipFill>
+              <a:blip r:embed="rId4">
+                <a:extLst/>
+              </a:blip>
+              <a:stretch>
+                <a:fillRect/>
+              </a:stretch>
+            </p:blipFill>
+            <p:spPr>
+              <a:xfrm>
+                <a:off x="681677" y="1332955"/>
+                <a:ext cx="3568701" cy="1422401"/>
+              </a:xfrm>
+              <a:prstGeom prst="rect">
+                <a:avLst/>
+              </a:prstGeom>
+              <a:ln w="12700" cap="flat">
+                <a:noFill/>
+                <a:miter lim="400000"/>
+              </a:ln>
+              <a:effectLst/>
+            </p:spPr>
+          </p:pic>
+        </p:grpSp>
+        <p:sp>
+          <p:nvSpPr>
+            <p:cNvPr id="240" name="int, float, complex, bool, str"/>
+            <p:cNvSpPr/>
+            <p:nvPr/>
+          </p:nvSpPr>
+          <p:spPr>
+            <a:xfrm>
+              <a:off x="4061464" y="938825"/>
+              <a:ext cx="4190208" cy="1533923"/>
+            </a:xfrm>
+            <a:custGeom>
+              <a:avLst/>
+              <a:gdLst/>
+              <a:ahLst/>
+              <a:cxnLst>
+                <a:cxn ang="0">
+                  <a:pos x="wd2" y="hd2"/>
+                </a:cxn>
+                <a:cxn ang="5400000">
+                  <a:pos x="wd2" y="hd2"/>
+                </a:cxn>
+                <a:cxn ang="10800000">
+                  <a:pos x="wd2" y="hd2"/>
+                </a:cxn>
+                <a:cxn ang="16200000">
+                  <a:pos x="wd2" y="hd2"/>
+                </a:cxn>
+              </a:cxnLst>
+              <a:rect l="0" t="0" r="r" b="b"/>
+              <a:pathLst>
+                <a:path w="21600" h="21600" extrusionOk="0">
+                  <a:moveTo>
+                    <a:pt x="5777" y="0"/>
+                  </a:moveTo>
+                  <a:cubicBezTo>
+                    <a:pt x="5591" y="0"/>
+                    <a:pt x="5440" y="413"/>
+                    <a:pt x="5440" y="922"/>
+                  </a:cubicBezTo>
+                  <a:lnTo>
+                    <a:pt x="5440" y="16414"/>
+                  </a:lnTo>
+                  <a:lnTo>
+                    <a:pt x="0" y="18258"/>
+                  </a:lnTo>
+                  <a:lnTo>
+                    <a:pt x="5440" y="20102"/>
+                  </a:lnTo>
+                  <a:lnTo>
+                    <a:pt x="5440" y="20678"/>
+                  </a:lnTo>
+                  <a:cubicBezTo>
+                    <a:pt x="5440" y="21187"/>
+                    <a:pt x="5591" y="21600"/>
+                    <a:pt x="5777" y="21600"/>
+                  </a:cubicBezTo>
+                  <a:lnTo>
+                    <a:pt x="21262" y="21600"/>
+                  </a:lnTo>
+                  <a:cubicBezTo>
+                    <a:pt x="21449" y="21600"/>
+                    <a:pt x="21600" y="21187"/>
+                    <a:pt x="21600" y="20678"/>
+                  </a:cubicBezTo>
+                  <a:lnTo>
+                    <a:pt x="21600" y="922"/>
+                  </a:lnTo>
+                  <a:cubicBezTo>
+                    <a:pt x="21600" y="413"/>
+                    <a:pt x="21449" y="0"/>
+                    <a:pt x="21262" y="0"/>
+                  </a:cubicBezTo>
+                  <a:lnTo>
+                    <a:pt x="5777" y="0"/>
+                  </a:lnTo>
+                  <a:close/>
+                </a:path>
+              </a:pathLst>
+            </a:custGeom>
+            <a:blipFill rotWithShape="1">
+              <a:blip r:embed="rId5"/>
+              <a:srcRect/>
+              <a:tile tx="0" ty="0" sx="100000" sy="100000" flip="none" algn="tl"/>
+            </a:blipFill>
+            <a:ln w="12700" cap="flat">
+              <a:noFill/>
+              <a:miter lim="400000"/>
+            </a:ln>
+            <a:effectLst>
+              <a:outerShdw blurRad="38100" dist="25400" dir="5400000" rotWithShape="0">
+                <a:srgbClr val="000000">
+                  <a:alpha val="50000"/>
+                </a:srgbClr>
+              </a:outerShdw>
+            </a:effectLst>
+            <a:extLst>
+              <a:ext uri="{C572A759-6A51-4108-AA02-DFA0A04FC94B}">
+                <ma14:wrappingTextBoxFlag xmlns:ma14="http://schemas.microsoft.com/office/mac/drawingml/2011/main" val="1"/>
+              </a:ext>
+            </a:extLst>
+          </p:spPr>
+          <p:txBody>
+            <a:bodyPr wrap="square" lIns="50800" tIns="50800" rIns="50800" bIns="50800" numCol="1" anchor="ctr">
+              <a:noAutofit/>
+            </a:bodyPr>
+            <a:lstStyle>
+              <a:lvl1pPr>
+                <a:defRPr sz="2400">
+                  <a:solidFill>
+                    <a:srgbClr val="FFFFFF"/>
+                  </a:solidFill>
+                </a:defRPr>
+              </a:lvl1pPr>
+            </a:lstStyle>
+            <a:p>
+              <a:pPr algn="l"/>
+              <a:r>
+                <a:rPr lang="en-GB" dirty="0" smtClean="0"/>
+                <a:t>             </a:t>
+              </a:r>
+              <a:r>
+                <a:rPr dirty="0" smtClean="0"/>
+                <a:t>int</a:t>
+              </a:r>
+              <a:r>
+                <a:rPr dirty="0"/>
+                <a:t>, float, complex, </a:t>
+              </a:r>
+              <a:endParaRPr lang="en-GB" dirty="0" smtClean="0"/>
+            </a:p>
+            <a:p>
+              <a:pPr algn="l"/>
+              <a:r>
+                <a:rPr lang="en-GB" dirty="0"/>
+                <a:t> </a:t>
+              </a:r>
+              <a:r>
+                <a:rPr lang="en-GB" dirty="0" smtClean="0"/>
+                <a:t>            </a:t>
+              </a:r>
+              <a:r>
+                <a:rPr dirty="0" smtClean="0"/>
+                <a:t>bool</a:t>
+              </a:r>
+              <a:r>
+                <a:rPr dirty="0"/>
+                <a:t>, str</a:t>
+              </a:r>
+            </a:p>
+          </p:txBody>
+        </p:sp>
+      </p:grpSp>
+    </p:spTree>
+  </p:cSld>
+  <p:clrMapOvr>
+    <a:masterClrMapping/>
+  </p:clrMapOvr>
+  <p:transition spd="slow"/>
+  <p:timing>
+    <p:tnLst>
+      <p:par>
+        <p:cTn id="1" dur="indefinite" restart="never" fill="hold" nodeType="tmRoot">
+          <p:childTnLst>
+            <p:seq concurrent="1" prevAc="none" nextAc="seek">
+              <p:cTn id="2" dur="indefinite" fill="hold" nodeType="mainSeq">
+                <p:childTnLst>
+                  <p:par>
+                    <p:cTn id="3" fill="hold">
+                      <p:stCondLst>
+                        <p:cond delay="indefinite"/>
+                      </p:stCondLst>
+                      <p:childTnLst>
+                        <p:par>
+                          <p:cTn id="4" fill="hold">
+                            <p:stCondLst>
+                              <p:cond delay="0"/>
+                            </p:stCondLst>
+                            <p:childTnLst>
+                              <p:par>
+                                <p:cTn id="5" presetID="1" presetClass="entr" presetSubtype="0" fill="hold" grpId="1" nodeType="clickEffect">
+                                  <p:stCondLst>
+                                    <p:cond delay="0"/>
+                                  </p:stCondLst>
+                                  <p:iterate>
+                                    <p:tmAbs val="0"/>
+                                  </p:iterate>
+                                  <p:childTnLst>
+                                    <p:set>
+                                      <p:cBhvr>
+                                        <p:cTn id="6" fill="hold"/>
+                                        <p:tgtEl>
+                                          <p:spTgt spid="241"/>
+                                        </p:tgtEl>
+                                        <p:attrNameLst>
+                                          <p:attrName>style.visibility</p:attrName>
+                                        </p:attrNameLst>
+                                      </p:cBhvr>
+                                      <p:to>
+                                        <p:strVal val="visible"/>
+                                      </p:to>
+                                    </p:set>
+                                  </p:childTnLst>
+                                </p:cTn>
+                              </p:par>
+                            </p:childTnLst>
+                          </p:cTn>
+                        </p:par>
+                      </p:childTnLst>
+                    </p:cTn>
+                  </p:par>
+                </p:childTnLst>
+              </p:cTn>
+              <p:prevCondLst>
+                <p:cond evt="onPrev" delay="0">
+                  <p:tgtEl>
+                    <p:sldTgt/>
+                  </p:tgtEl>
+                </p:cond>
+              </p:prevCondLst>
+              <p:nextCondLst>
+                <p:cond evt="onNext" delay="0">
+                  <p:tgtEl>
+                    <p:sldTgt/>
+                  </p:tgtEl>
+                </p:cond>
+              </p:nextCondLst>
+            </p:seq>
+          </p:childTnLst>
+        </p:cTn>
+      </p:par>
+    </p:tnLst>
+    <p:bldLst>
+      <p:bldP spid="241" grpId="1" animBg="1" advAuto="0"/>
+    </p:bldLst>
+  </p:timing>
+</p:sld>
+</file>
+
+<file path=ppt/slides/slide11.xml><?xml version="1.0" encoding="utf-8"?>
+<p:sld xmlns:a="http://schemas.openxmlformats.org/drawingml/2006/main" xmlns:r="http://schemas.openxmlformats.org/officeDocument/2006/relationships" xmlns:p="http://schemas.openxmlformats.org/presentationml/2006/main">
+  <p:cSld>
+    <p:spTree>
+      <p:nvGrpSpPr>
+        <p:cNvPr id="1" name=""/>
+        <p:cNvGrpSpPr/>
+        <p:nvPr/>
+      </p:nvGrpSpPr>
+      <p:grpSpPr>
+        <a:xfrm>
+          <a:off x="0" y="0"/>
+          <a:ext cx="0" cy="0"/>
+          <a:chOff x="0" y="0"/>
+          <a:chExt cx="0" cy="0"/>
+        </a:xfrm>
+      </p:grpSpPr>
+      <p:sp>
+        <p:nvSpPr>
+          <p:cNvPr id="119" name="Introduction to Computer Programming Lecture 2:…"/>
+          <p:cNvSpPr txBox="1">
+            <a:spLocks noGrp="1"/>
+          </p:cNvSpPr>
+          <p:nvPr>
+            <p:ph type="ctrTitle"/>
+          </p:nvPr>
+        </p:nvSpPr>
+        <p:spPr>
+          <a:xfrm>
+            <a:off x="1473200" y="1066800"/>
+            <a:ext cx="10464800" cy="3302000"/>
+          </a:xfrm>
+          <a:prstGeom prst="rect">
+            <a:avLst/>
+          </a:prstGeom>
+        </p:spPr>
+        <p:txBody>
+          <a:bodyPr/>
+          <a:lstStyle/>
+          <a:p>
+            <a:pPr defTabSz="303783">
+              <a:defRPr sz="4160"/>
+            </a:pPr>
+            <a:r>
+              <a:rPr dirty="0"/>
+              <a:t>Introduction to Computer Programming Lecture </a:t>
+            </a:r>
+            <a:r>
+              <a:rPr dirty="0" smtClean="0"/>
+              <a:t>2</a:t>
+            </a:r>
+            <a:r>
+              <a:rPr lang="en-GB" dirty="0" smtClean="0"/>
+              <a:t>.1.b</a:t>
+            </a:r>
+            <a:r>
+              <a:rPr dirty="0" smtClean="0"/>
+              <a:t>:</a:t>
+            </a:r>
+            <a:endParaRPr dirty="0"/>
+          </a:p>
+          <a:p>
+            <a:pPr defTabSz="303783">
+              <a:defRPr sz="4160"/>
+            </a:pPr>
+            <a:r>
+              <a:rPr dirty="0"/>
+              <a:t> </a:t>
+            </a:r>
+          </a:p>
+          <a:p>
+            <a:pPr defTabSz="303783">
+              <a:defRPr sz="4160" b="1">
+                <a:latin typeface="Helvetica"/>
+                <a:ea typeface="Helvetica"/>
+                <a:cs typeface="Helvetica"/>
+                <a:sym typeface="Helvetica"/>
+              </a:defRPr>
+            </a:pPr>
+            <a:r>
+              <a:rPr lang="en-GB" dirty="0" smtClean="0"/>
+              <a:t>Operators</a:t>
+            </a:r>
+            <a:endParaRPr dirty="0"/>
+          </a:p>
+        </p:txBody>
+      </p:sp>
+      <p:sp>
+        <p:nvSpPr>
+          <p:cNvPr id="120" name="Department of Engineering Mathematics"/>
+          <p:cNvSpPr txBox="1"/>
+          <p:nvPr/>
+        </p:nvSpPr>
+        <p:spPr>
+          <a:xfrm>
+            <a:off x="1270000" y="5706533"/>
+            <a:ext cx="10464800" cy="1130301"/>
+          </a:xfrm>
+          <a:prstGeom prst="rect">
+            <a:avLst/>
+          </a:prstGeom>
+          <a:ln w="12700">
+            <a:miter lim="400000"/>
+          </a:ln>
+          <a:extLst>
+            <a:ext uri="{C572A759-6A51-4108-AA02-DFA0A04FC94B}">
+              <ma14:wrappingTextBoxFlag xmlns:ma14="http://schemas.microsoft.com/office/mac/drawingml/2011/main" val="1"/>
+            </a:ext>
+          </a:extLst>
+        </p:spPr>
+        <p:txBody>
+          <a:bodyPr lIns="50800" tIns="50800" rIns="50800" bIns="50800">
+            <a:normAutofit/>
+          </a:bodyPr>
+          <a:lstStyle/>
+          <a:p>
+            <a:pPr defTabSz="315468">
+              <a:defRPr sz="2268"/>
+            </a:pPr>
+            <a:r>
+              <a:rPr dirty="0"/>
+              <a:t>Department of Engineering Mathematics</a:t>
+            </a:r>
+          </a:p>
+          <a:p>
+            <a:pPr defTabSz="315468">
+              <a:defRPr sz="2268"/>
+            </a:pPr>
+            <a:endParaRPr dirty="0"/>
+          </a:p>
+        </p:txBody>
+      </p:sp>
+      <p:sp>
+        <p:nvSpPr>
+          <p:cNvPr id="122" name="Helmut Hauser"/>
+          <p:cNvSpPr txBox="1"/>
+          <p:nvPr/>
+        </p:nvSpPr>
+        <p:spPr>
+          <a:xfrm>
+            <a:off x="1473200" y="5035550"/>
+            <a:ext cx="10464800" cy="1130300"/>
+          </a:xfrm>
+          <a:prstGeom prst="rect">
+            <a:avLst/>
+          </a:prstGeom>
+          <a:ln w="12700">
+            <a:miter lim="400000"/>
+          </a:ln>
+          <a:extLst>
+            <a:ext uri="{C572A759-6A51-4108-AA02-DFA0A04FC94B}">
+              <ma14:wrappingTextBoxFlag xmlns:ma14="http://schemas.microsoft.com/office/mac/drawingml/2011/main" val="1"/>
+            </a:ext>
+          </a:extLst>
+        </p:spPr>
+        <p:txBody>
+          <a:bodyPr lIns="50800" tIns="50800" rIns="50800" bIns="50800">
+            <a:normAutofit/>
+          </a:bodyPr>
+          <a:lstStyle/>
+          <a:p>
+            <a:pPr defTabSz="315468">
+              <a:defRPr sz="3294"/>
+            </a:pPr>
+            <a:r>
+              <a:rPr lang="en-GB" dirty="0" smtClean="0"/>
+              <a:t>Hemma Philamore </a:t>
+            </a:r>
+            <a:endParaRPr dirty="0"/>
+          </a:p>
+          <a:p>
+            <a:pPr defTabSz="315468">
+              <a:defRPr sz="1728"/>
+            </a:pPr>
+            <a:endParaRPr dirty="0"/>
+          </a:p>
+        </p:txBody>
+      </p:sp>
+    </p:spTree>
+    <p:extLst>
+      <p:ext uri="{BB962C8B-B14F-4D97-AF65-F5344CB8AC3E}">
+        <p14:creationId xmlns:p14="http://schemas.microsoft.com/office/powerpoint/2010/main" val="306901684"/>
+      </p:ext>
+    </p:extLst>
+  </p:cSld>
+  <p:clrMapOvr>
+    <a:masterClrMapping/>
+  </p:clrMapOvr>
+  <p:transition spd="med"/>
+  <p:timing>
+    <p:tnLst>
+      <p:par>
+        <p:cTn id="1" dur="indefinite" restart="never" nodeType="tmRoot"/>
+      </p:par>
+    </p:tnLst>
+  </p:timing>
+</p:sld>
+</file>
+
+<file path=ppt/slides/slide12.xml><?xml version="1.0" encoding="utf-8"?>
+<p:sld xmlns:a="http://schemas.openxmlformats.org/drawingml/2006/main" xmlns:r="http://schemas.openxmlformats.org/officeDocument/2006/relationships" xmlns:p="http://schemas.openxmlformats.org/presentationml/2006/main">
+  <p:cSld>
+    <p:spTree>
+      <p:nvGrpSpPr>
+        <p:cNvPr id="1" name=""/>
+        <p:cNvGrpSpPr/>
+        <p:nvPr/>
+      </p:nvGrpSpPr>
+      <p:grpSpPr>
+        <a:xfrm>
+          <a:off x="0" y="0"/>
+          <a:ext cx="0" cy="0"/>
+          <a:chOff x="0" y="0"/>
+          <a:chExt cx="0" cy="0"/>
+        </a:xfrm>
+      </p:grpSpPr>
       <p:pic>
         <p:nvPicPr>
           <p:cNvPr id="3" name="Picture 2"/>
@@ -4531,7 +5294,7 @@
 </p:sld>
 </file>
 
-<file path=ppt/slides/slide11.xml><?xml version="1.0" encoding="utf-8"?>
+<file path=ppt/slides/slide13.xml><?xml version="1.0" encoding="utf-8"?>
 <p:sld xmlns:a="http://schemas.openxmlformats.org/drawingml/2006/main" xmlns:r="http://schemas.openxmlformats.org/officeDocument/2006/relationships" xmlns:p="http://schemas.openxmlformats.org/presentationml/2006/main">
   <p:cSld>
     <p:spTree>
@@ -4988,7 +5751,7 @@
 </p:sld>
 </file>
 
-<file path=ppt/slides/slide12.xml><?xml version="1.0" encoding="utf-8"?>
+<file path=ppt/slides/slide14.xml><?xml version="1.0" encoding="utf-8"?>
 <p:sld xmlns:a="http://schemas.openxmlformats.org/drawingml/2006/main" xmlns:r="http://schemas.openxmlformats.org/officeDocument/2006/relationships" xmlns:p="http://schemas.openxmlformats.org/presentationml/2006/main">
   <p:cSld>
     <p:spTree>
@@ -5800,7 +6563,7 @@
 </p:sld>
 </file>
 
-<file path=ppt/slides/slide13.xml><?xml version="1.0" encoding="utf-8"?>
+<file path=ppt/slides/slide15.xml><?xml version="1.0" encoding="utf-8"?>
 <p:sld xmlns:a="http://schemas.openxmlformats.org/drawingml/2006/main" xmlns:r="http://schemas.openxmlformats.org/officeDocument/2006/relationships" xmlns:p="http://schemas.openxmlformats.org/presentationml/2006/main">
   <p:cSld>
     <p:spTree>
@@ -6554,7 +7317,7 @@
 </p:sld>
 </file>
 
-<file path=ppt/slides/slide14.xml><?xml version="1.0" encoding="utf-8"?>
+<file path=ppt/slides/slide16.xml><?xml version="1.0" encoding="utf-8"?>
 <p:sld xmlns:a="http://schemas.openxmlformats.org/drawingml/2006/main" xmlns:r="http://schemas.openxmlformats.org/officeDocument/2006/relationships" xmlns:p="http://schemas.openxmlformats.org/presentationml/2006/main">
   <p:cSld>
     <p:spTree>
@@ -6609,7 +7372,7 @@
 </p:sld>
 </file>
 
-<file path=ppt/slides/slide15.xml><?xml version="1.0" encoding="utf-8"?>
+<file path=ppt/slides/slide17.xml><?xml version="1.0" encoding="utf-8"?>
 <p:sld xmlns:a="http://schemas.openxmlformats.org/drawingml/2006/main" xmlns:r="http://schemas.openxmlformats.org/officeDocument/2006/relationships" xmlns:p="http://schemas.openxmlformats.org/presentationml/2006/main">
   <p:cSld>
     <p:spTree>
@@ -6664,7 +7427,7 @@
 </p:sld>
 </file>
 
-<file path=ppt/slides/slide16.xml><?xml version="1.0" encoding="utf-8"?>
+<file path=ppt/slides/slide18.xml><?xml version="1.0" encoding="utf-8"?>
 <p:sld xmlns:a="http://schemas.openxmlformats.org/drawingml/2006/main" xmlns:r="http://schemas.openxmlformats.org/officeDocument/2006/relationships" xmlns:p="http://schemas.openxmlformats.org/presentationml/2006/main">
   <p:cSld>
     <p:spTree>
@@ -7056,7 +7819,7 @@
 </p:sld>
 </file>
 
-<file path=ppt/slides/slide17.xml><?xml version="1.0" encoding="utf-8"?>
+<file path=ppt/slides/slide19.xml><?xml version="1.0" encoding="utf-8"?>
 <p:sld xmlns:a="http://schemas.openxmlformats.org/drawingml/2006/main" xmlns:r="http://schemas.openxmlformats.org/officeDocument/2006/relationships" xmlns:p="http://schemas.openxmlformats.org/presentationml/2006/main">
   <p:cSld>
     <p:spTree>
@@ -7518,6 +8281,205 @@
 </file>
 
 <file path=ppt/slides/slide2.xml><?xml version="1.0" encoding="utf-8"?>
+<p:sld xmlns:a="http://schemas.openxmlformats.org/drawingml/2006/main" xmlns:r="http://schemas.openxmlformats.org/officeDocument/2006/relationships" xmlns:p="http://schemas.openxmlformats.org/presentationml/2006/main">
+  <p:cSld>
+    <p:spTree>
+      <p:nvGrpSpPr>
+        <p:cNvPr id="1" name=""/>
+        <p:cNvGrpSpPr/>
+        <p:nvPr/>
+      </p:nvGrpSpPr>
+      <p:grpSpPr>
+        <a:xfrm>
+          <a:off x="0" y="0"/>
+          <a:ext cx="0" cy="0"/>
+          <a:chOff x="0" y="0"/>
+          <a:chExt cx="0" cy="0"/>
+        </a:xfrm>
+      </p:grpSpPr>
+      <p:sp>
+        <p:nvSpPr>
+          <p:cNvPr id="119" name="Introduction to Computer Programming Lecture 2:…"/>
+          <p:cNvSpPr txBox="1">
+            <a:spLocks noGrp="1"/>
+          </p:cNvSpPr>
+          <p:nvPr>
+            <p:ph type="ctrTitle"/>
+          </p:nvPr>
+        </p:nvSpPr>
+        <p:spPr>
+          <a:xfrm>
+            <a:off x="1473200" y="1066800"/>
+            <a:ext cx="10464800" cy="3302000"/>
+          </a:xfrm>
+          <a:prstGeom prst="rect">
+            <a:avLst/>
+          </a:prstGeom>
+        </p:spPr>
+        <p:txBody>
+          <a:bodyPr/>
+          <a:lstStyle/>
+          <a:p>
+            <a:pPr defTabSz="303783">
+              <a:defRPr sz="4160"/>
+            </a:pPr>
+            <a:r>
+              <a:rPr dirty="0"/>
+              <a:t>Introduction to Computer Programming Lecture </a:t>
+            </a:r>
+            <a:r>
+              <a:rPr dirty="0" smtClean="0"/>
+              <a:t>2</a:t>
+            </a:r>
+            <a:r>
+              <a:rPr lang="en-GB" dirty="0" smtClean="0"/>
+              <a:t>.1.a</a:t>
+            </a:r>
+            <a:r>
+              <a:rPr dirty="0" smtClean="0"/>
+              <a:t>:</a:t>
+            </a:r>
+            <a:endParaRPr dirty="0"/>
+          </a:p>
+          <a:p>
+            <a:pPr defTabSz="303783">
+              <a:defRPr sz="4160"/>
+            </a:pPr>
+            <a:r>
+              <a:rPr dirty="0"/>
+              <a:t> </a:t>
+            </a:r>
+          </a:p>
+          <a:p>
+            <a:pPr defTabSz="303783">
+              <a:defRPr sz="4160" b="1">
+                <a:latin typeface="Helvetica"/>
+                <a:ea typeface="Helvetica"/>
+                <a:cs typeface="Helvetica"/>
+                <a:sym typeface="Helvetica"/>
+              </a:defRPr>
+            </a:pPr>
+            <a:r>
+              <a:rPr dirty="0" smtClean="0"/>
+              <a:t>Variables</a:t>
+            </a:r>
+            <a:endParaRPr dirty="0"/>
+          </a:p>
+        </p:txBody>
+      </p:sp>
+      <p:sp>
+        <p:nvSpPr>
+          <p:cNvPr id="120" name="Department of Engineering Mathematics"/>
+          <p:cNvSpPr txBox="1"/>
+          <p:nvPr/>
+        </p:nvSpPr>
+        <p:spPr>
+          <a:xfrm>
+            <a:off x="1270000" y="5706533"/>
+            <a:ext cx="10464800" cy="1130301"/>
+          </a:xfrm>
+          <a:prstGeom prst="rect">
+            <a:avLst/>
+          </a:prstGeom>
+          <a:ln w="12700">
+            <a:miter lim="400000"/>
+          </a:ln>
+          <a:extLst>
+            <a:ext uri="{C572A759-6A51-4108-AA02-DFA0A04FC94B}">
+              <ma14:wrappingTextBoxFlag xmlns:ma14="http://schemas.microsoft.com/office/mac/drawingml/2011/main" val="1"/>
+            </a:ext>
+          </a:extLst>
+        </p:spPr>
+        <p:txBody>
+          <a:bodyPr lIns="50800" tIns="50800" rIns="50800" bIns="50800">
+            <a:normAutofit/>
+          </a:bodyPr>
+          <a:lstStyle/>
+          <a:p>
+            <a:pPr defTabSz="315468">
+              <a:defRPr sz="2268"/>
+            </a:pPr>
+            <a:r>
+              <a:rPr dirty="0"/>
+              <a:t>Department of Engineering Mathematics</a:t>
+            </a:r>
+          </a:p>
+          <a:p>
+            <a:pPr defTabSz="315468">
+              <a:defRPr sz="2268"/>
+            </a:pPr>
+            <a:endParaRPr dirty="0"/>
+          </a:p>
+        </p:txBody>
+      </p:sp>
+      <p:sp>
+        <p:nvSpPr>
+          <p:cNvPr id="122" name="Helmut Hauser"/>
+          <p:cNvSpPr txBox="1"/>
+          <p:nvPr/>
+        </p:nvSpPr>
+        <p:spPr>
+          <a:xfrm>
+            <a:off x="1473200" y="5035550"/>
+            <a:ext cx="10464800" cy="1130300"/>
+          </a:xfrm>
+          <a:prstGeom prst="rect">
+            <a:avLst/>
+          </a:prstGeom>
+          <a:ln w="12700">
+            <a:miter lim="400000"/>
+          </a:ln>
+          <a:extLst>
+            <a:ext uri="{C572A759-6A51-4108-AA02-DFA0A04FC94B}">
+              <ma14:wrappingTextBoxFlag xmlns:ma14="http://schemas.microsoft.com/office/mac/drawingml/2011/main" val="1"/>
+            </a:ext>
+          </a:extLst>
+        </p:spPr>
+        <p:txBody>
+          <a:bodyPr lIns="50800" tIns="50800" rIns="50800" bIns="50800">
+            <a:normAutofit/>
+          </a:bodyPr>
+          <a:lstStyle/>
+          <a:p>
+            <a:pPr defTabSz="315468">
+              <a:defRPr sz="3294"/>
+            </a:pPr>
+            <a:r>
+              <a:rPr lang="en-GB" dirty="0" smtClean="0"/>
+              <a:t>Hemma Philamore </a:t>
+            </a:r>
+            <a:endParaRPr dirty="0"/>
+          </a:p>
+          <a:p>
+            <a:pPr defTabSz="315468">
+              <a:defRPr sz="1728"/>
+            </a:pPr>
+            <a:endParaRPr dirty="0"/>
+          </a:p>
+        </p:txBody>
+      </p:sp>
+    </p:spTree>
+    <p:extLst>
+      <p:ext uri="{BB962C8B-B14F-4D97-AF65-F5344CB8AC3E}">
+        <p14:creationId xmlns:p14="http://schemas.microsoft.com/office/powerpoint/2010/main" val="2011929416"/>
+      </p:ext>
+    </p:extLst>
+  </p:cSld>
+  <p:clrMapOvr>
+    <a:masterClrMapping/>
+  </p:clrMapOvr>
+  <p:transition spd="med"/>
+  <p:timing>
+    <p:tnLst>
+      <p:par>
+        <p:cTn id="1" dur="indefinite" restart="never" nodeType="tmRoot"/>
+      </p:par>
+    </p:tnLst>
+  </p:timing>
+</p:sld>
+</file>
+
+<file path=ppt/slides/slide3.xml><?xml version="1.0" encoding="utf-8"?>
 <p:sld xmlns:a="http://schemas.openxmlformats.org/drawingml/2006/main" xmlns:r="http://schemas.openxmlformats.org/officeDocument/2006/relationships" xmlns:p="http://schemas.openxmlformats.org/presentationml/2006/main">
   <p:cSld>
     <p:spTree>
@@ -8581,7 +9543,7 @@
 </p:sld>
 </file>
 
-<file path=ppt/slides/slide3.xml><?xml version="1.0" encoding="utf-8"?>
+<file path=ppt/slides/slide4.xml><?xml version="1.0" encoding="utf-8"?>
 <p:sld xmlns:a="http://schemas.openxmlformats.org/drawingml/2006/main" xmlns:r="http://schemas.openxmlformats.org/officeDocument/2006/relationships" xmlns:p="http://schemas.openxmlformats.org/presentationml/2006/main">
   <p:cSld>
     <p:spTree>
@@ -9956,7 +10918,7 @@
 </p:sld>
 </file>
 
-<file path=ppt/slides/slide4.xml><?xml version="1.0" encoding="utf-8"?>
+<file path=ppt/slides/slide5.xml><?xml version="1.0" encoding="utf-8"?>
 <p:sld xmlns:a="http://schemas.openxmlformats.org/drawingml/2006/main" xmlns:r="http://schemas.openxmlformats.org/officeDocument/2006/relationships" xmlns:p="http://schemas.openxmlformats.org/presentationml/2006/main">
   <p:cSld>
     <p:spTree>
@@ -10370,7 +11332,7 @@
 </p:sld>
 </file>
 
-<file path=ppt/slides/slide5.xml><?xml version="1.0" encoding="utf-8"?>
+<file path=ppt/slides/slide6.xml><?xml version="1.0" encoding="utf-8"?>
 <p:sld xmlns:a="http://schemas.openxmlformats.org/drawingml/2006/main" xmlns:r="http://schemas.openxmlformats.org/officeDocument/2006/relationships" xmlns:p="http://schemas.openxmlformats.org/presentationml/2006/main">
   <p:cSld>
     <p:spTree>
@@ -11357,7 +12319,7 @@
 </p:sld>
 </file>
 
-<file path=ppt/slides/slide6.xml><?xml version="1.0" encoding="utf-8"?>
+<file path=ppt/slides/slide7.xml><?xml version="1.0" encoding="utf-8"?>
 <p:sld xmlns:a="http://schemas.openxmlformats.org/drawingml/2006/main" xmlns:r="http://schemas.openxmlformats.org/officeDocument/2006/relationships" xmlns:p="http://schemas.openxmlformats.org/presentationml/2006/main">
   <p:cSld>
     <p:spTree>
@@ -12033,7 +12995,6 @@
               <a:rPr lang="en-GB" dirty="0" smtClean="0"/>
               <a:t>Decimal point</a:t>
             </a:r>
-            <a:endParaRPr lang="en-GB" dirty="0" smtClean="0"/>
           </a:p>
           <a:p>
             <a:pPr algn="l"/>
@@ -13438,7 +14399,7 @@
 </p:sld>
 </file>
 
-<file path=ppt/slides/slide7.xml><?xml version="1.0" encoding="utf-8"?>
+<file path=ppt/slides/slide8.xml><?xml version="1.0" encoding="utf-8"?>
 <p:sld xmlns:a="http://schemas.openxmlformats.org/drawingml/2006/main" xmlns:r="http://schemas.openxmlformats.org/officeDocument/2006/relationships" xmlns:p="http://schemas.openxmlformats.org/presentationml/2006/main">
   <p:cSld>
     <p:spTree>
@@ -14120,7 +15081,7 @@
 </p:sld>
 </file>
 
-<file path=ppt/slides/slide8.xml><?xml version="1.0" encoding="utf-8"?>
+<file path=ppt/slides/slide9.xml><?xml version="1.0" encoding="utf-8"?>
 <p:sld xmlns:a="http://schemas.openxmlformats.org/drawingml/2006/main" xmlns:r="http://schemas.openxmlformats.org/officeDocument/2006/relationships" xmlns:p="http://schemas.openxmlformats.org/presentationml/2006/main">
   <p:cSld>
     <p:spTree>
@@ -14884,568 +15845,6 @@
     </p:tnLst>
     <p:bldLst>
       <p:bldP spid="7" grpId="0" advAuto="0"/>
-    </p:bldLst>
-  </p:timing>
-</p:sld>
-</file>
-
-<file path=ppt/slides/slide9.xml><?xml version="1.0" encoding="utf-8"?>
-<p:sld xmlns:a="http://schemas.openxmlformats.org/drawingml/2006/main" xmlns:r="http://schemas.openxmlformats.org/officeDocument/2006/relationships" xmlns:p="http://schemas.openxmlformats.org/presentationml/2006/main">
-  <p:cSld>
-    <p:spTree>
-      <p:nvGrpSpPr>
-        <p:cNvPr id="1" name=""/>
-        <p:cNvGrpSpPr/>
-        <p:nvPr/>
-      </p:nvGrpSpPr>
-      <p:grpSpPr>
-        <a:xfrm>
-          <a:off x="0" y="0"/>
-          <a:ext cx="0" cy="0"/>
-          <a:chOff x="0" y="0"/>
-          <a:chExt cx="0" cy="0"/>
-        </a:xfrm>
-      </p:grpSpPr>
-      <p:sp>
-        <p:nvSpPr>
-          <p:cNvPr id="232" name="Checking and Casting Types"/>
-          <p:cNvSpPr txBox="1">
-            <a:spLocks noGrp="1"/>
-          </p:cNvSpPr>
-          <p:nvPr>
-            <p:ph type="title"/>
-          </p:nvPr>
-        </p:nvSpPr>
-        <p:spPr>
-          <a:xfrm>
-            <a:off x="952500" y="444500"/>
-            <a:ext cx="11613555" cy="2159000"/>
-          </a:xfrm>
-          <a:prstGeom prst="rect">
-            <a:avLst/>
-          </a:prstGeom>
-        </p:spPr>
-        <p:txBody>
-          <a:bodyPr/>
-          <a:lstStyle>
-            <a:lvl1pPr defTabSz="508254">
-              <a:defRPr sz="6960"/>
-            </a:lvl1pPr>
-          </a:lstStyle>
-          <a:p>
-            <a:r>
-              <a:t>Checking and Casting Types</a:t>
-            </a:r>
-          </a:p>
-        </p:txBody>
-      </p:sp>
-      <p:grpSp>
-        <p:nvGrpSpPr>
-          <p:cNvPr id="241" name="Group"/>
-          <p:cNvGrpSpPr/>
-          <p:nvPr/>
-        </p:nvGrpSpPr>
-        <p:grpSpPr>
-          <a:xfrm>
-            <a:off x="2376905" y="2561710"/>
-            <a:ext cx="8764744" cy="6746846"/>
-            <a:chOff x="0" y="0"/>
-            <a:chExt cx="8764743" cy="6746844"/>
-          </a:xfrm>
-        </p:grpSpPr>
-        <p:grpSp>
-          <p:nvGrpSpPr>
-            <p:cNvPr id="239" name="Group"/>
-            <p:cNvGrpSpPr/>
-            <p:nvPr/>
-          </p:nvGrpSpPr>
-          <p:grpSpPr>
-            <a:xfrm>
-              <a:off x="0" y="0"/>
-              <a:ext cx="8764744" cy="6746845"/>
-              <a:chOff x="0" y="0"/>
-              <a:chExt cx="8764743" cy="6746844"/>
-            </a:xfrm>
-          </p:grpSpPr>
-          <p:grpSp>
-            <p:nvGrpSpPr>
-              <p:cNvPr id="237" name="Group"/>
-              <p:cNvGrpSpPr/>
-              <p:nvPr/>
-            </p:nvGrpSpPr>
-            <p:grpSpPr>
-              <a:xfrm>
-                <a:off x="0" y="0"/>
-                <a:ext cx="8764744" cy="6746845"/>
-                <a:chOff x="0" y="0"/>
-                <a:chExt cx="8764743" cy="6746844"/>
-              </a:xfrm>
-            </p:grpSpPr>
-            <p:sp>
-              <p:nvSpPr>
-                <p:cNvPr id="233" name="isinstance() and type() allow you to check types."/>
-                <p:cNvSpPr txBox="1"/>
-                <p:nvPr/>
-              </p:nvSpPr>
-              <p:spPr>
-                <a:xfrm>
-                  <a:off x="0" y="-1"/>
-                  <a:ext cx="7846508" cy="990607"/>
-                </a:xfrm>
-                <a:prstGeom prst="rect">
-                  <a:avLst/>
-                </a:prstGeom>
-                <a:noFill/>
-                <a:ln w="12700" cap="flat">
-                  <a:noFill/>
-                  <a:miter lim="400000"/>
-                </a:ln>
-                <a:effectLst/>
-                <a:extLst>
-                  <a:ext uri="{C572A759-6A51-4108-AA02-DFA0A04FC94B}">
-                    <ma14:wrappingTextBoxFlag xmlns:ma14="http://schemas.microsoft.com/office/mac/drawingml/2011/main" val="1"/>
-                  </a:ext>
-                </a:extLst>
-              </p:spPr>
-              <p:txBody>
-                <a:bodyPr wrap="square" lIns="50800" tIns="50800" rIns="50800" bIns="50800" numCol="1" anchor="ctr">
-                  <a:spAutoFit/>
-                </a:bodyPr>
-                <a:lstStyle/>
-                <a:p>
-                  <a:pPr algn="just" defTabSz="457200">
-                    <a:tabLst>
-                      <a:tab pos="139700" algn="l"/>
-                      <a:tab pos="457200" algn="l"/>
-                    </a:tabLst>
-                    <a:defRPr sz="2900"/>
-                  </a:pPr>
-                  <a:r>
-                    <a:rPr b="1" i="1">
-                      <a:latin typeface="Helvetica"/>
-                      <a:ea typeface="Helvetica"/>
-                      <a:cs typeface="Helvetica"/>
-                      <a:sym typeface="Helvetica"/>
-                    </a:rPr>
-                    <a:t>isinstance()</a:t>
-                  </a:r>
-                  <a:r>
-                    <a:t> and </a:t>
-                  </a:r>
-                  <a:r>
-                    <a:rPr b="1" i="1">
-                      <a:latin typeface="Helvetica"/>
-                      <a:ea typeface="Helvetica"/>
-                      <a:cs typeface="Helvetica"/>
-                      <a:sym typeface="Helvetica"/>
-                    </a:rPr>
-                    <a:t>type()</a:t>
-                  </a:r>
-                  <a:r>
-                    <a:t> allow you to check types.</a:t>
-                  </a:r>
-                </a:p>
-              </p:txBody>
-            </p:sp>
-            <p:sp>
-              <p:nvSpPr>
-                <p:cNvPr id="234" name="You can sometimes explicitly cast types to change from one type to an other (str, float, bool)"/>
-                <p:cNvSpPr txBox="1"/>
-                <p:nvPr/>
-              </p:nvSpPr>
-              <p:spPr>
-                <a:xfrm>
-                  <a:off x="0" y="3269782"/>
-                  <a:ext cx="8764744" cy="990612"/>
-                </a:xfrm>
-                <a:prstGeom prst="rect">
-                  <a:avLst/>
-                </a:prstGeom>
-                <a:noFill/>
-                <a:ln w="12700" cap="flat">
-                  <a:noFill/>
-                  <a:miter lim="400000"/>
-                </a:ln>
-                <a:effectLst/>
-                <a:extLst>
-                  <a:ext uri="{C572A759-6A51-4108-AA02-DFA0A04FC94B}">
-                    <ma14:wrappingTextBoxFlag xmlns:ma14="http://schemas.microsoft.com/office/mac/drawingml/2011/main" val="1"/>
-                  </a:ext>
-                </a:extLst>
-              </p:spPr>
-              <p:txBody>
-                <a:bodyPr wrap="square" lIns="50800" tIns="50800" rIns="50800" bIns="50800" numCol="1" anchor="ctr">
-                  <a:spAutoFit/>
-                </a:bodyPr>
-                <a:lstStyle/>
-                <a:p>
-                  <a:pPr algn="just" defTabSz="457200">
-                    <a:tabLst>
-                      <a:tab pos="139700" algn="l"/>
-                      <a:tab pos="457200" algn="l"/>
-                    </a:tabLst>
-                    <a:defRPr sz="2900"/>
-                  </a:pPr>
-                  <a:r>
-                    <a:t>You can sometimes </a:t>
-                  </a:r>
-                  <a:r>
-                    <a:rPr b="1">
-                      <a:latin typeface="Helvetica"/>
-                      <a:ea typeface="Helvetica"/>
-                      <a:cs typeface="Helvetica"/>
-                      <a:sym typeface="Helvetica"/>
-                    </a:rPr>
-                    <a:t>explicitly cast </a:t>
-                  </a:r>
-                  <a:r>
-                    <a:t>types to change from one type to an other (</a:t>
-                  </a:r>
-                  <a:r>
-                    <a:rPr b="1">
-                      <a:latin typeface="Helvetica"/>
-                      <a:ea typeface="Helvetica"/>
-                      <a:cs typeface="Helvetica"/>
-                      <a:sym typeface="Helvetica"/>
-                    </a:rPr>
-                    <a:t>str, float, bool</a:t>
-                  </a:r>
-                  <a:r>
-                    <a:t>)</a:t>
-                  </a:r>
-                </a:p>
-              </p:txBody>
-            </p:sp>
-            <p:pic>
-              <p:nvPicPr>
-                <p:cNvPr id="235" name="Image" descr="Image"/>
-                <p:cNvPicPr>
-                  <a:picLocks noChangeAspect="1"/>
-                </p:cNvPicPr>
-                <p:nvPr/>
-              </p:nvPicPr>
-              <p:blipFill>
-                <a:blip r:embed="rId2">
-                  <a:extLst/>
-                </a:blip>
-                <a:stretch>
-                  <a:fillRect/>
-                </a:stretch>
-              </p:blipFill>
-              <p:spPr>
-                <a:xfrm>
-                  <a:off x="786353" y="4537044"/>
-                  <a:ext cx="2006601" cy="2209801"/>
-                </a:xfrm>
-                <a:prstGeom prst="rect">
-                  <a:avLst/>
-                </a:prstGeom>
-                <a:ln w="12700" cap="flat">
-                  <a:noFill/>
-                  <a:miter lim="400000"/>
-                </a:ln>
-                <a:effectLst/>
-              </p:spPr>
-            </p:pic>
-            <p:pic>
-              <p:nvPicPr>
-                <p:cNvPr id="236" name="Image" descr="Image"/>
-                <p:cNvPicPr>
-                  <a:picLocks noChangeAspect="1"/>
-                </p:cNvPicPr>
-                <p:nvPr/>
-              </p:nvPicPr>
-              <p:blipFill>
-                <a:blip r:embed="rId3">
-                  <a:extLst/>
-                </a:blip>
-                <a:srcRect b="7284"/>
-                <a:stretch>
-                  <a:fillRect/>
-                </a:stretch>
-              </p:blipFill>
-              <p:spPr>
-                <a:xfrm>
-                  <a:off x="5129753" y="4528578"/>
-                  <a:ext cx="2565401" cy="1719131"/>
-                </a:xfrm>
-                <a:prstGeom prst="rect">
-                  <a:avLst/>
-                </a:prstGeom>
-                <a:ln w="12700" cap="flat">
-                  <a:noFill/>
-                  <a:miter lim="400000"/>
-                </a:ln>
-                <a:effectLst/>
-              </p:spPr>
-            </p:pic>
-          </p:grpSp>
-          <p:pic>
-            <p:nvPicPr>
-              <p:cNvPr id="238" name="Image" descr="Image"/>
-              <p:cNvPicPr>
-                <a:picLocks noChangeAspect="1"/>
-              </p:cNvPicPr>
-              <p:nvPr/>
-            </p:nvPicPr>
-            <p:blipFill>
-              <a:blip r:embed="rId4">
-                <a:extLst/>
-              </a:blip>
-              <a:stretch>
-                <a:fillRect/>
-              </a:stretch>
-            </p:blipFill>
-            <p:spPr>
-              <a:xfrm>
-                <a:off x="681677" y="1332955"/>
-                <a:ext cx="3568701" cy="1422401"/>
-              </a:xfrm>
-              <a:prstGeom prst="rect">
-                <a:avLst/>
-              </a:prstGeom>
-              <a:ln w="12700" cap="flat">
-                <a:noFill/>
-                <a:miter lim="400000"/>
-              </a:ln>
-              <a:effectLst/>
-            </p:spPr>
-          </p:pic>
-        </p:grpSp>
-        <p:sp>
-          <p:nvSpPr>
-            <p:cNvPr id="240" name="int, float, complex, bool, str"/>
-            <p:cNvSpPr/>
-            <p:nvPr/>
-          </p:nvSpPr>
-          <p:spPr>
-            <a:xfrm>
-              <a:off x="4061464" y="938825"/>
-              <a:ext cx="4190208" cy="1533923"/>
-            </a:xfrm>
-            <a:custGeom>
-              <a:avLst/>
-              <a:gdLst/>
-              <a:ahLst/>
-              <a:cxnLst>
-                <a:cxn ang="0">
-                  <a:pos x="wd2" y="hd2"/>
-                </a:cxn>
-                <a:cxn ang="5400000">
-                  <a:pos x="wd2" y="hd2"/>
-                </a:cxn>
-                <a:cxn ang="10800000">
-                  <a:pos x="wd2" y="hd2"/>
-                </a:cxn>
-                <a:cxn ang="16200000">
-                  <a:pos x="wd2" y="hd2"/>
-                </a:cxn>
-              </a:cxnLst>
-              <a:rect l="0" t="0" r="r" b="b"/>
-              <a:pathLst>
-                <a:path w="21600" h="21600" extrusionOk="0">
-                  <a:moveTo>
-                    <a:pt x="5777" y="0"/>
-                  </a:moveTo>
-                  <a:cubicBezTo>
-                    <a:pt x="5591" y="0"/>
-                    <a:pt x="5440" y="413"/>
-                    <a:pt x="5440" y="922"/>
-                  </a:cubicBezTo>
-                  <a:lnTo>
-                    <a:pt x="5440" y="16414"/>
-                  </a:lnTo>
-                  <a:lnTo>
-                    <a:pt x="0" y="18258"/>
-                  </a:lnTo>
-                  <a:lnTo>
-                    <a:pt x="5440" y="20102"/>
-                  </a:lnTo>
-                  <a:lnTo>
-                    <a:pt x="5440" y="20678"/>
-                  </a:lnTo>
-                  <a:cubicBezTo>
-                    <a:pt x="5440" y="21187"/>
-                    <a:pt x="5591" y="21600"/>
-                    <a:pt x="5777" y="21600"/>
-                  </a:cubicBezTo>
-                  <a:lnTo>
-                    <a:pt x="21262" y="21600"/>
-                  </a:lnTo>
-                  <a:cubicBezTo>
-                    <a:pt x="21449" y="21600"/>
-                    <a:pt x="21600" y="21187"/>
-                    <a:pt x="21600" y="20678"/>
-                  </a:cubicBezTo>
-                  <a:lnTo>
-                    <a:pt x="21600" y="922"/>
-                  </a:lnTo>
-                  <a:cubicBezTo>
-                    <a:pt x="21600" y="413"/>
-                    <a:pt x="21449" y="0"/>
-                    <a:pt x="21262" y="0"/>
-                  </a:cubicBezTo>
-                  <a:lnTo>
-                    <a:pt x="5777" y="0"/>
-                  </a:lnTo>
-                  <a:close/>
-                </a:path>
-              </a:pathLst>
-            </a:custGeom>
-            <a:blipFill rotWithShape="1">
-              <a:blip r:embed="rId5"/>
-              <a:srcRect/>
-              <a:tile tx="0" ty="0" sx="100000" sy="100000" flip="none" algn="tl"/>
-            </a:blipFill>
-            <a:ln w="12700" cap="flat">
-              <a:noFill/>
-              <a:miter lim="400000"/>
-            </a:ln>
-            <a:effectLst>
-              <a:outerShdw blurRad="38100" dist="25400" dir="5400000" rotWithShape="0">
-                <a:srgbClr val="000000">
-                  <a:alpha val="50000"/>
-                </a:srgbClr>
-              </a:outerShdw>
-            </a:effectLst>
-            <a:extLst>
-              <a:ext uri="{C572A759-6A51-4108-AA02-DFA0A04FC94B}">
-                <ma14:wrappingTextBoxFlag xmlns:ma14="http://schemas.microsoft.com/office/mac/drawingml/2011/main" val="1"/>
-              </a:ext>
-            </a:extLst>
-          </p:spPr>
-          <p:txBody>
-            <a:bodyPr wrap="square" lIns="50800" tIns="50800" rIns="50800" bIns="50800" numCol="1" anchor="ctr">
-              <a:noAutofit/>
-            </a:bodyPr>
-            <a:lstStyle>
-              <a:lvl1pPr>
-                <a:defRPr sz="2400">
-                  <a:solidFill>
-                    <a:srgbClr val="FFFFFF"/>
-                  </a:solidFill>
-                </a:defRPr>
-              </a:lvl1pPr>
-            </a:lstStyle>
-            <a:p>
-              <a:pPr algn="l"/>
-              <a:r>
-                <a:rPr lang="en-GB" dirty="0" smtClean="0"/>
-                <a:t>             </a:t>
-              </a:r>
-              <a:r>
-                <a:rPr dirty="0" smtClean="0"/>
-                <a:t>int</a:t>
-              </a:r>
-              <a:r>
-                <a:rPr dirty="0"/>
-                <a:t>, float, complex, </a:t>
-              </a:r>
-              <a:endParaRPr lang="en-GB" dirty="0" smtClean="0"/>
-            </a:p>
-            <a:p>
-              <a:pPr algn="l"/>
-              <a:r>
-                <a:rPr lang="en-GB" dirty="0"/>
-                <a:t> </a:t>
-              </a:r>
-              <a:r>
-                <a:rPr lang="en-GB" dirty="0" smtClean="0"/>
-                <a:t>            </a:t>
-              </a:r>
-              <a:r>
-                <a:rPr dirty="0" smtClean="0"/>
-                <a:t>bool</a:t>
-              </a:r>
-              <a:r>
-                <a:rPr dirty="0"/>
-                <a:t>, str</a:t>
-              </a:r>
-            </a:p>
-          </p:txBody>
-        </p:sp>
-      </p:grpSp>
-    </p:spTree>
-  </p:cSld>
-  <p:clrMapOvr>
-    <a:masterClrMapping/>
-  </p:clrMapOvr>
-  <p:transition spd="slow"/>
-  <p:timing>
-    <p:tnLst>
-      <p:par>
-        <p:cTn id="1" dur="indefinite" restart="never" fill="hold" nodeType="tmRoot">
-          <p:childTnLst>
-            <p:seq concurrent="1" prevAc="none" nextAc="seek">
-              <p:cTn id="2" dur="indefinite" fill="hold" nodeType="mainSeq">
-                <p:childTnLst>
-                  <p:par>
-                    <p:cTn id="3" fill="hold">
-                      <p:stCondLst>
-                        <p:cond delay="indefinite"/>
-                      </p:stCondLst>
-                      <p:childTnLst>
-                        <p:par>
-                          <p:cTn id="4" fill="hold">
-                            <p:stCondLst>
-                              <p:cond delay="0"/>
-                            </p:stCondLst>
-                            <p:childTnLst>
-                              <p:par>
-                                <p:cTn id="5" presetID="1" presetClass="entr" presetSubtype="0" fill="hold" grpId="1" nodeType="clickEffect">
-                                  <p:stCondLst>
-                                    <p:cond delay="0"/>
-                                  </p:stCondLst>
-                                  <p:iterate>
-                                    <p:tmAbs val="0"/>
-                                  </p:iterate>
-                                  <p:childTnLst>
-                                    <p:set>
-                                      <p:cBhvr>
-                                        <p:cTn id="6" fill="hold"/>
-                                        <p:tgtEl>
-                                          <p:spTgt spid="241"/>
-                                        </p:tgtEl>
-                                        <p:attrNameLst>
-                                          <p:attrName>style.visibility</p:attrName>
-                                        </p:attrNameLst>
-                                      </p:cBhvr>
-                                      <p:to>
-                                        <p:strVal val="visible"/>
-                                      </p:to>
-                                    </p:set>
-                                  </p:childTnLst>
-                                </p:cTn>
-                              </p:par>
-                            </p:childTnLst>
-                          </p:cTn>
-                        </p:par>
-                      </p:childTnLst>
-                    </p:cTn>
-                  </p:par>
-                </p:childTnLst>
-              </p:cTn>
-              <p:prevCondLst>
-                <p:cond evt="onPrev" delay="0">
-                  <p:tgtEl>
-                    <p:sldTgt/>
-                  </p:tgtEl>
-                </p:cond>
-              </p:prevCondLst>
-              <p:nextCondLst>
-                <p:cond evt="onNext" delay="0">
-                  <p:tgtEl>
-                    <p:sldTgt/>
-                  </p:tgtEl>
-                </p:cond>
-              </p:nextCondLst>
-            </p:seq>
-          </p:childTnLst>
-        </p:cTn>
-      </p:par>
-    </p:tnLst>
-    <p:bldLst>
-      <p:bldP spid="241" grpId="1" animBg="1" advAuto="0"/>
     </p:bldLst>
   </p:timing>
 </p:sld>
